--- a/7semestr/Proektnaya/Проектная деятельность - презентация.pptx
+++ b/7semestr/Proektnaya/Проектная деятельность - презентация.pptx
@@ -977,7 +977,7 @@
   <p:cSld>
     <p:spTree>
       <p:nvGrpSpPr>
-        <p:cNvPr id="111" name="Shape 111"/>
+        <p:cNvPr id="115" name="Shape 115"/>
         <p:cNvGrpSpPr/>
         <p:nvPr/>
       </p:nvGrpSpPr>
@@ -991,7 +991,7 @@
       </p:grpSpPr>
       <p:sp>
         <p:nvSpPr>
-          <p:cNvPr id="112" name="Google Shape;112;p8:notes"/>
+          <p:cNvPr id="116" name="Google Shape;116;p8:notes"/>
           <p:cNvSpPr/>
           <p:nvPr>
             <p:ph idx="2" type="sldImg"/>
@@ -1036,7 +1036,7 @@
       </p:sp>
       <p:sp>
         <p:nvSpPr>
-          <p:cNvPr id="113" name="Google Shape;113;p8:notes"/>
+          <p:cNvPr id="117" name="Google Shape;117;p8:notes"/>
           <p:cNvSpPr txBox="1"/>
           <p:nvPr>
             <p:ph idx="1" type="body"/>
@@ -1102,7 +1102,7 @@
   <p:cSld>
     <p:spTree>
       <p:nvGrpSpPr>
-        <p:cNvPr id="117" name="Shape 117"/>
+        <p:cNvPr id="123" name="Shape 123"/>
         <p:cNvGrpSpPr/>
         <p:nvPr/>
       </p:nvGrpSpPr>
@@ -1116,7 +1116,7 @@
       </p:grpSpPr>
       <p:sp>
         <p:nvSpPr>
-          <p:cNvPr id="118" name="Google Shape;118;p9:notes"/>
+          <p:cNvPr id="124" name="Google Shape;124;p9:notes"/>
           <p:cNvSpPr/>
           <p:nvPr>
             <p:ph idx="2" type="sldImg"/>
@@ -1161,7 +1161,7 @@
       </p:sp>
       <p:sp>
         <p:nvSpPr>
-          <p:cNvPr id="119" name="Google Shape;119;p9:notes"/>
+          <p:cNvPr id="125" name="Google Shape;125;p9:notes"/>
           <p:cNvSpPr txBox="1"/>
           <p:nvPr>
             <p:ph idx="1" type="body"/>
@@ -1219,7 +1219,7 @@
   <p:cSld>
     <p:spTree>
       <p:nvGrpSpPr>
-        <p:cNvPr id="123" name="Shape 123"/>
+        <p:cNvPr id="131" name="Shape 131"/>
         <p:cNvGrpSpPr/>
         <p:nvPr/>
       </p:nvGrpSpPr>
@@ -1233,7 +1233,7 @@
       </p:grpSpPr>
       <p:sp>
         <p:nvSpPr>
-          <p:cNvPr id="124" name="Google Shape;124;p10:notes"/>
+          <p:cNvPr id="132" name="Google Shape;132;p10:notes"/>
           <p:cNvSpPr/>
           <p:nvPr>
             <p:ph idx="2" type="sldImg"/>
@@ -1278,7 +1278,7 @@
       </p:sp>
       <p:sp>
         <p:nvSpPr>
-          <p:cNvPr id="125" name="Google Shape;125;p10:notes"/>
+          <p:cNvPr id="133" name="Google Shape;133;p10:notes"/>
           <p:cNvSpPr txBox="1"/>
           <p:nvPr>
             <p:ph idx="1" type="body"/>
@@ -1340,7 +1340,7 @@
   <p:cSld>
     <p:spTree>
       <p:nvGrpSpPr>
-        <p:cNvPr id="129" name="Shape 129"/>
+        <p:cNvPr id="139" name="Shape 139"/>
         <p:cNvGrpSpPr/>
         <p:nvPr/>
       </p:nvGrpSpPr>
@@ -1354,7 +1354,7 @@
       </p:grpSpPr>
       <p:sp>
         <p:nvSpPr>
-          <p:cNvPr id="130" name="Google Shape;130;p11:notes"/>
+          <p:cNvPr id="140" name="Google Shape;140;p11:notes"/>
           <p:cNvSpPr/>
           <p:nvPr>
             <p:ph idx="2" type="sldImg"/>
@@ -1399,7 +1399,7 @@
       </p:sp>
       <p:sp>
         <p:nvSpPr>
-          <p:cNvPr id="131" name="Google Shape;131;p11:notes"/>
+          <p:cNvPr id="141" name="Google Shape;141;p11:notes"/>
           <p:cNvSpPr txBox="1"/>
           <p:nvPr>
             <p:ph idx="1" type="body"/>
@@ -1457,7 +1457,7 @@
   <p:cSld>
     <p:spTree>
       <p:nvGrpSpPr>
-        <p:cNvPr id="61" name="Shape 61"/>
+        <p:cNvPr id="63" name="Shape 63"/>
         <p:cNvGrpSpPr/>
         <p:nvPr/>
       </p:nvGrpSpPr>
@@ -1471,7 +1471,7 @@
       </p:grpSpPr>
       <p:sp>
         <p:nvSpPr>
-          <p:cNvPr id="62" name="Google Shape;62;p2:notes"/>
+          <p:cNvPr id="64" name="Google Shape;64;p2:notes"/>
           <p:cNvSpPr/>
           <p:nvPr>
             <p:ph idx="2" type="sldImg"/>
@@ -1516,7 +1516,7 @@
       </p:sp>
       <p:sp>
         <p:nvSpPr>
-          <p:cNvPr id="63" name="Google Shape;63;p2:notes"/>
+          <p:cNvPr id="65" name="Google Shape;65;p2:notes"/>
           <p:cNvSpPr txBox="1"/>
           <p:nvPr>
             <p:ph idx="1" type="body"/>
@@ -1582,7 +1582,7 @@
   <p:cSld>
     <p:spTree>
       <p:nvGrpSpPr>
-        <p:cNvPr id="67" name="Shape 67"/>
+        <p:cNvPr id="71" name="Shape 71"/>
         <p:cNvGrpSpPr/>
         <p:nvPr/>
       </p:nvGrpSpPr>
@@ -1596,7 +1596,7 @@
       </p:grpSpPr>
       <p:sp>
         <p:nvSpPr>
-          <p:cNvPr id="68" name="Google Shape;68;p3:notes"/>
+          <p:cNvPr id="72" name="Google Shape;72;p3:notes"/>
           <p:cNvSpPr/>
           <p:nvPr>
             <p:ph idx="2" type="sldImg"/>
@@ -1641,7 +1641,7 @@
       </p:sp>
       <p:sp>
         <p:nvSpPr>
-          <p:cNvPr id="69" name="Google Shape;69;p3:notes"/>
+          <p:cNvPr id="73" name="Google Shape;73;p3:notes"/>
           <p:cNvSpPr txBox="1"/>
           <p:nvPr>
             <p:ph idx="1" type="body"/>
@@ -1707,7 +1707,7 @@
   <p:cSld>
     <p:spTree>
       <p:nvGrpSpPr>
-        <p:cNvPr id="75" name="Shape 75"/>
+        <p:cNvPr id="79" name="Shape 79"/>
         <p:cNvGrpSpPr/>
         <p:nvPr/>
       </p:nvGrpSpPr>
@@ -1721,7 +1721,7 @@
       </p:grpSpPr>
       <p:sp>
         <p:nvSpPr>
-          <p:cNvPr id="76" name="Google Shape;76;p4:notes"/>
+          <p:cNvPr id="80" name="Google Shape;80;p4:notes"/>
           <p:cNvSpPr/>
           <p:nvPr>
             <p:ph idx="2" type="sldImg"/>
@@ -1766,7 +1766,7 @@
       </p:sp>
       <p:sp>
         <p:nvSpPr>
-          <p:cNvPr id="77" name="Google Shape;77;p4:notes"/>
+          <p:cNvPr id="81" name="Google Shape;81;p4:notes"/>
           <p:cNvSpPr txBox="1"/>
           <p:nvPr>
             <p:ph idx="1" type="body"/>
@@ -1824,7 +1824,7 @@
   <p:cSld>
     <p:spTree>
       <p:nvGrpSpPr>
-        <p:cNvPr id="81" name="Shape 81"/>
+        <p:cNvPr id="85" name="Shape 85"/>
         <p:cNvGrpSpPr/>
         <p:nvPr/>
       </p:nvGrpSpPr>
@@ -1838,7 +1838,7 @@
       </p:grpSpPr>
       <p:sp>
         <p:nvSpPr>
-          <p:cNvPr id="82" name="Google Shape;82;p5:notes"/>
+          <p:cNvPr id="86" name="Google Shape;86;p5:notes"/>
           <p:cNvSpPr/>
           <p:nvPr>
             <p:ph idx="2" type="sldImg"/>
@@ -1883,7 +1883,7 @@
       </p:sp>
       <p:sp>
         <p:nvSpPr>
-          <p:cNvPr id="83" name="Google Shape;83;p5:notes"/>
+          <p:cNvPr id="87" name="Google Shape;87;p5:notes"/>
           <p:cNvSpPr txBox="1"/>
           <p:nvPr>
             <p:ph idx="1" type="body"/>
@@ -1941,7 +1941,7 @@
   <p:cSld>
     <p:spTree>
       <p:nvGrpSpPr>
-        <p:cNvPr id="87" name="Shape 87"/>
+        <p:cNvPr id="91" name="Shape 91"/>
         <p:cNvGrpSpPr/>
         <p:nvPr/>
       </p:nvGrpSpPr>
@@ -1955,7 +1955,7 @@
       </p:grpSpPr>
       <p:sp>
         <p:nvSpPr>
-          <p:cNvPr id="88" name="Google Shape;88;p6:notes"/>
+          <p:cNvPr id="92" name="Google Shape;92;p6:notes"/>
           <p:cNvSpPr/>
           <p:nvPr>
             <p:ph idx="2" type="sldImg"/>
@@ -2000,7 +2000,7 @@
       </p:sp>
       <p:sp>
         <p:nvSpPr>
-          <p:cNvPr id="89" name="Google Shape;89;p6:notes"/>
+          <p:cNvPr id="93" name="Google Shape;93;p6:notes"/>
           <p:cNvSpPr txBox="1"/>
           <p:nvPr>
             <p:ph idx="1" type="body"/>
@@ -2058,7 +2058,7 @@
   <p:cSld>
     <p:spTree>
       <p:nvGrpSpPr>
-        <p:cNvPr id="93" name="Shape 93"/>
+        <p:cNvPr id="97" name="Shape 97"/>
         <p:cNvGrpSpPr/>
         <p:nvPr/>
       </p:nvGrpSpPr>
@@ -2072,7 +2072,7 @@
       </p:grpSpPr>
       <p:sp>
         <p:nvSpPr>
-          <p:cNvPr id="94" name="Google Shape;94;p7:notes"/>
+          <p:cNvPr id="98" name="Google Shape;98;p7:notes"/>
           <p:cNvSpPr/>
           <p:nvPr>
             <p:ph idx="2" type="sldImg"/>
@@ -2117,7 +2117,7 @@
       </p:sp>
       <p:sp>
         <p:nvSpPr>
-          <p:cNvPr id="95" name="Google Shape;95;p7:notes"/>
+          <p:cNvPr id="99" name="Google Shape;99;p7:notes"/>
           <p:cNvSpPr txBox="1"/>
           <p:nvPr>
             <p:ph idx="1" type="body"/>
@@ -2175,7 +2175,7 @@
   <p:cSld>
     <p:spTree>
       <p:nvGrpSpPr>
-        <p:cNvPr id="99" name="Shape 99"/>
+        <p:cNvPr id="103" name="Shape 103"/>
         <p:cNvGrpSpPr/>
         <p:nvPr/>
       </p:nvGrpSpPr>
@@ -2189,7 +2189,7 @@
       </p:grpSpPr>
       <p:sp>
         <p:nvSpPr>
-          <p:cNvPr id="100" name="Google Shape;100;gcf26a4f44c_0_388:notes"/>
+          <p:cNvPr id="104" name="Google Shape;104;gcf26a4f44c_0_388:notes"/>
           <p:cNvSpPr/>
           <p:nvPr>
             <p:ph idx="2" type="sldImg"/>
@@ -2234,7 +2234,7 @@
       </p:sp>
       <p:sp>
         <p:nvSpPr>
-          <p:cNvPr id="101" name="Google Shape;101;gcf26a4f44c_0_388:notes"/>
+          <p:cNvPr id="105" name="Google Shape;105;gcf26a4f44c_0_388:notes"/>
           <p:cNvSpPr txBox="1"/>
           <p:nvPr>
             <p:ph idx="1" type="body"/>
@@ -2292,7 +2292,7 @@
   <p:cSld>
     <p:spTree>
       <p:nvGrpSpPr>
-        <p:cNvPr id="105" name="Shape 105"/>
+        <p:cNvPr id="109" name="Shape 109"/>
         <p:cNvGrpSpPr/>
         <p:nvPr/>
       </p:nvGrpSpPr>
@@ -2306,7 +2306,7 @@
       </p:grpSpPr>
       <p:sp>
         <p:nvSpPr>
-          <p:cNvPr id="106" name="Google Shape;106;gcf26a4f44c_0_393:notes"/>
+          <p:cNvPr id="110" name="Google Shape;110;gcf26a4f44c_0_393:notes"/>
           <p:cNvSpPr/>
           <p:nvPr>
             <p:ph idx="2" type="sldImg"/>
@@ -2351,7 +2351,7 @@
       </p:sp>
       <p:sp>
         <p:nvSpPr>
-          <p:cNvPr id="107" name="Google Shape;107;gcf26a4f44c_0_393:notes"/>
+          <p:cNvPr id="111" name="Google Shape;111;gcf26a4f44c_0_393:notes"/>
           <p:cNvSpPr txBox="1"/>
           <p:nvPr>
             <p:ph idx="1" type="body"/>
@@ -7754,6 +7754,60 @@
           </a:p>
         </p:txBody>
       </p:sp>
+      <p:pic>
+        <p:nvPicPr>
+          <p:cNvPr id="61" name="Google Shape;61;p13"/>
+          <p:cNvPicPr preferRelativeResize="0"/>
+          <p:nvPr/>
+        </p:nvPicPr>
+        <p:blipFill rotWithShape="1">
+          <a:blip r:embed="rId3">
+            <a:alphaModFix/>
+          </a:blip>
+          <a:srcRect b="0" l="0" r="0" t="0"/>
+          <a:stretch/>
+        </p:blipFill>
+        <p:spPr>
+          <a:xfrm>
+            <a:off x="6968300" y="178323"/>
+            <a:ext cx="1514075" cy="416398"/>
+          </a:xfrm>
+          <a:prstGeom prst="rect">
+            <a:avLst/>
+          </a:prstGeom>
+          <a:noFill/>
+          <a:ln>
+            <a:noFill/>
+          </a:ln>
+        </p:spPr>
+      </p:pic>
+      <p:pic>
+        <p:nvPicPr>
+          <p:cNvPr id="62" name="Google Shape;62;p13"/>
+          <p:cNvPicPr preferRelativeResize="0"/>
+          <p:nvPr/>
+        </p:nvPicPr>
+        <p:blipFill rotWithShape="1">
+          <a:blip r:embed="rId4">
+            <a:alphaModFix/>
+          </a:blip>
+          <a:srcRect b="0" l="0" r="0" t="0"/>
+          <a:stretch/>
+        </p:blipFill>
+        <p:spPr>
+          <a:xfrm>
+            <a:off x="7040626" y="691175"/>
+            <a:ext cx="927848" cy="460824"/>
+          </a:xfrm>
+          <a:prstGeom prst="rect">
+            <a:avLst/>
+          </a:prstGeom>
+          <a:noFill/>
+          <a:ln>
+            <a:noFill/>
+          </a:ln>
+        </p:spPr>
+      </p:pic>
     </p:spTree>
   </p:cSld>
   <p:clrMapOvr>
@@ -7767,7 +7821,7 @@
   <p:cSld>
     <p:spTree>
       <p:nvGrpSpPr>
-        <p:cNvPr id="114" name="Shape 114"/>
+        <p:cNvPr id="118" name="Shape 118"/>
         <p:cNvGrpSpPr/>
         <p:nvPr/>
       </p:nvGrpSpPr>
@@ -7781,7 +7835,7 @@
       </p:grpSpPr>
       <p:sp>
         <p:nvSpPr>
-          <p:cNvPr id="115" name="Google Shape;115;p22"/>
+          <p:cNvPr id="119" name="Google Shape;119;p22"/>
           <p:cNvSpPr txBox="1"/>
           <p:nvPr>
             <p:ph type="title"/>
@@ -7829,7 +7883,7 @@
       </p:sp>
       <p:sp>
         <p:nvSpPr>
-          <p:cNvPr id="116" name="Google Shape;116;p22"/>
+          <p:cNvPr id="120" name="Google Shape;120;p22"/>
           <p:cNvSpPr txBox="1"/>
           <p:nvPr>
             <p:ph idx="1" type="body"/>
@@ -8013,6 +8067,60 @@
           </a:p>
         </p:txBody>
       </p:sp>
+      <p:pic>
+        <p:nvPicPr>
+          <p:cNvPr id="121" name="Google Shape;121;p22"/>
+          <p:cNvPicPr preferRelativeResize="0"/>
+          <p:nvPr/>
+        </p:nvPicPr>
+        <p:blipFill rotWithShape="1">
+          <a:blip r:embed="rId3">
+            <a:alphaModFix/>
+          </a:blip>
+          <a:srcRect b="0" l="0" r="0" t="0"/>
+          <a:stretch/>
+        </p:blipFill>
+        <p:spPr>
+          <a:xfrm>
+            <a:off x="6968300" y="178323"/>
+            <a:ext cx="1514075" cy="416398"/>
+          </a:xfrm>
+          <a:prstGeom prst="rect">
+            <a:avLst/>
+          </a:prstGeom>
+          <a:noFill/>
+          <a:ln>
+            <a:noFill/>
+          </a:ln>
+        </p:spPr>
+      </p:pic>
+      <p:pic>
+        <p:nvPicPr>
+          <p:cNvPr id="122" name="Google Shape;122;p22"/>
+          <p:cNvPicPr preferRelativeResize="0"/>
+          <p:nvPr/>
+        </p:nvPicPr>
+        <p:blipFill rotWithShape="1">
+          <a:blip r:embed="rId4">
+            <a:alphaModFix/>
+          </a:blip>
+          <a:srcRect b="0" l="0" r="0" t="0"/>
+          <a:stretch/>
+        </p:blipFill>
+        <p:spPr>
+          <a:xfrm>
+            <a:off x="7040626" y="691175"/>
+            <a:ext cx="927848" cy="460824"/>
+          </a:xfrm>
+          <a:prstGeom prst="rect">
+            <a:avLst/>
+          </a:prstGeom>
+          <a:noFill/>
+          <a:ln>
+            <a:noFill/>
+          </a:ln>
+        </p:spPr>
+      </p:pic>
     </p:spTree>
   </p:cSld>
   <p:clrMapOvr>
@@ -8026,7 +8134,7 @@
   <p:cSld>
     <p:spTree>
       <p:nvGrpSpPr>
-        <p:cNvPr id="120" name="Shape 120"/>
+        <p:cNvPr id="126" name="Shape 126"/>
         <p:cNvGrpSpPr/>
         <p:nvPr/>
       </p:nvGrpSpPr>
@@ -8040,7 +8148,7 @@
       </p:grpSpPr>
       <p:sp>
         <p:nvSpPr>
-          <p:cNvPr id="121" name="Google Shape;121;p23"/>
+          <p:cNvPr id="127" name="Google Shape;127;p23"/>
           <p:cNvSpPr txBox="1"/>
           <p:nvPr>
             <p:ph type="title"/>
@@ -8088,7 +8196,7 @@
       </p:sp>
       <p:sp>
         <p:nvSpPr>
-          <p:cNvPr id="122" name="Google Shape;122;p23"/>
+          <p:cNvPr id="128" name="Google Shape;128;p23"/>
           <p:cNvSpPr txBox="1"/>
           <p:nvPr>
             <p:ph idx="1" type="body"/>
@@ -8349,6 +8457,60 @@
           </a:p>
         </p:txBody>
       </p:sp>
+      <p:pic>
+        <p:nvPicPr>
+          <p:cNvPr id="129" name="Google Shape;129;p23"/>
+          <p:cNvPicPr preferRelativeResize="0"/>
+          <p:nvPr/>
+        </p:nvPicPr>
+        <p:blipFill rotWithShape="1">
+          <a:blip r:embed="rId3">
+            <a:alphaModFix/>
+          </a:blip>
+          <a:srcRect b="0" l="0" r="0" t="0"/>
+          <a:stretch/>
+        </p:blipFill>
+        <p:spPr>
+          <a:xfrm>
+            <a:off x="6968300" y="178323"/>
+            <a:ext cx="1514075" cy="416398"/>
+          </a:xfrm>
+          <a:prstGeom prst="rect">
+            <a:avLst/>
+          </a:prstGeom>
+          <a:noFill/>
+          <a:ln>
+            <a:noFill/>
+          </a:ln>
+        </p:spPr>
+      </p:pic>
+      <p:pic>
+        <p:nvPicPr>
+          <p:cNvPr id="130" name="Google Shape;130;p23"/>
+          <p:cNvPicPr preferRelativeResize="0"/>
+          <p:nvPr/>
+        </p:nvPicPr>
+        <p:blipFill rotWithShape="1">
+          <a:blip r:embed="rId4">
+            <a:alphaModFix/>
+          </a:blip>
+          <a:srcRect b="0" l="0" r="0" t="0"/>
+          <a:stretch/>
+        </p:blipFill>
+        <p:spPr>
+          <a:xfrm>
+            <a:off x="7040626" y="691175"/>
+            <a:ext cx="927848" cy="460824"/>
+          </a:xfrm>
+          <a:prstGeom prst="rect">
+            <a:avLst/>
+          </a:prstGeom>
+          <a:noFill/>
+          <a:ln>
+            <a:noFill/>
+          </a:ln>
+        </p:spPr>
+      </p:pic>
     </p:spTree>
   </p:cSld>
   <p:clrMapOvr>
@@ -8362,7 +8524,7 @@
   <p:cSld>
     <p:spTree>
       <p:nvGrpSpPr>
-        <p:cNvPr id="126" name="Shape 126"/>
+        <p:cNvPr id="134" name="Shape 134"/>
         <p:cNvGrpSpPr/>
         <p:nvPr/>
       </p:nvGrpSpPr>
@@ -8376,7 +8538,7 @@
       </p:grpSpPr>
       <p:sp>
         <p:nvSpPr>
-          <p:cNvPr id="127" name="Google Shape;127;p24"/>
+          <p:cNvPr id="135" name="Google Shape;135;p24"/>
           <p:cNvSpPr txBox="1"/>
           <p:nvPr>
             <p:ph type="title"/>
@@ -8424,7 +8586,7 @@
       </p:sp>
       <p:sp>
         <p:nvSpPr>
-          <p:cNvPr id="128" name="Google Shape;128;p24"/>
+          <p:cNvPr id="136" name="Google Shape;136;p24"/>
           <p:cNvSpPr txBox="1"/>
           <p:nvPr>
             <p:ph idx="1" type="body"/>
@@ -8578,6 +8740,60 @@
           </a:p>
         </p:txBody>
       </p:sp>
+      <p:pic>
+        <p:nvPicPr>
+          <p:cNvPr id="137" name="Google Shape;137;p24"/>
+          <p:cNvPicPr preferRelativeResize="0"/>
+          <p:nvPr/>
+        </p:nvPicPr>
+        <p:blipFill rotWithShape="1">
+          <a:blip r:embed="rId3">
+            <a:alphaModFix/>
+          </a:blip>
+          <a:srcRect b="0" l="0" r="0" t="0"/>
+          <a:stretch/>
+        </p:blipFill>
+        <p:spPr>
+          <a:xfrm>
+            <a:off x="6968300" y="178323"/>
+            <a:ext cx="1514075" cy="416398"/>
+          </a:xfrm>
+          <a:prstGeom prst="rect">
+            <a:avLst/>
+          </a:prstGeom>
+          <a:noFill/>
+          <a:ln>
+            <a:noFill/>
+          </a:ln>
+        </p:spPr>
+      </p:pic>
+      <p:pic>
+        <p:nvPicPr>
+          <p:cNvPr id="138" name="Google Shape;138;p24"/>
+          <p:cNvPicPr preferRelativeResize="0"/>
+          <p:nvPr/>
+        </p:nvPicPr>
+        <p:blipFill rotWithShape="1">
+          <a:blip r:embed="rId4">
+            <a:alphaModFix/>
+          </a:blip>
+          <a:srcRect b="0" l="0" r="0" t="0"/>
+          <a:stretch/>
+        </p:blipFill>
+        <p:spPr>
+          <a:xfrm>
+            <a:off x="7040626" y="691175"/>
+            <a:ext cx="927848" cy="460824"/>
+          </a:xfrm>
+          <a:prstGeom prst="rect">
+            <a:avLst/>
+          </a:prstGeom>
+          <a:noFill/>
+          <a:ln>
+            <a:noFill/>
+          </a:ln>
+        </p:spPr>
+      </p:pic>
     </p:spTree>
   </p:cSld>
   <p:clrMapOvr>
@@ -8591,7 +8807,7 @@
   <p:cSld>
     <p:spTree>
       <p:nvGrpSpPr>
-        <p:cNvPr id="132" name="Shape 132"/>
+        <p:cNvPr id="142" name="Shape 142"/>
         <p:cNvGrpSpPr/>
         <p:nvPr/>
       </p:nvGrpSpPr>
@@ -8605,7 +8821,7 @@
       </p:grpSpPr>
       <p:sp>
         <p:nvSpPr>
-          <p:cNvPr id="133" name="Google Shape;133;p25"/>
+          <p:cNvPr id="143" name="Google Shape;143;p25"/>
           <p:cNvSpPr txBox="1"/>
           <p:nvPr>
             <p:ph type="ctrTitle"/>
@@ -8669,7 +8885,7 @@
       </p:sp>
       <p:sp>
         <p:nvSpPr>
-          <p:cNvPr id="134" name="Google Shape;134;p25"/>
+          <p:cNvPr id="144" name="Google Shape;144;p25"/>
           <p:cNvSpPr txBox="1"/>
           <p:nvPr>
             <p:ph idx="1" type="subTitle"/>
@@ -8725,7 +8941,7 @@
       </p:sp>
       <p:sp>
         <p:nvSpPr>
-          <p:cNvPr id="135" name="Google Shape;135;p25"/>
+          <p:cNvPr id="145" name="Google Shape;145;p25"/>
           <p:cNvSpPr txBox="1"/>
           <p:nvPr>
             <p:ph idx="1" type="subTitle"/>
@@ -8792,7 +9008,7 @@
   <p:cSld>
     <p:spTree>
       <p:nvGrpSpPr>
-        <p:cNvPr id="64" name="Shape 64"/>
+        <p:cNvPr id="66" name="Shape 66"/>
         <p:cNvGrpSpPr/>
         <p:nvPr/>
       </p:nvGrpSpPr>
@@ -8806,7 +9022,7 @@
       </p:grpSpPr>
       <p:sp>
         <p:nvSpPr>
-          <p:cNvPr id="65" name="Google Shape;65;p14"/>
+          <p:cNvPr id="67" name="Google Shape;67;p14"/>
           <p:cNvSpPr txBox="1"/>
           <p:nvPr>
             <p:ph type="title"/>
@@ -8854,7 +9070,7 @@
       </p:sp>
       <p:sp>
         <p:nvSpPr>
-          <p:cNvPr id="66" name="Google Shape;66;p14"/>
+          <p:cNvPr id="68" name="Google Shape;68;p14"/>
           <p:cNvSpPr txBox="1"/>
           <p:nvPr>
             <p:ph idx="1" type="body"/>
@@ -8982,6 +9198,60 @@
           </a:p>
         </p:txBody>
       </p:sp>
+      <p:pic>
+        <p:nvPicPr>
+          <p:cNvPr id="69" name="Google Shape;69;p14"/>
+          <p:cNvPicPr preferRelativeResize="0"/>
+          <p:nvPr/>
+        </p:nvPicPr>
+        <p:blipFill rotWithShape="1">
+          <a:blip r:embed="rId3">
+            <a:alphaModFix/>
+          </a:blip>
+          <a:srcRect b="0" l="0" r="0" t="0"/>
+          <a:stretch/>
+        </p:blipFill>
+        <p:spPr>
+          <a:xfrm>
+            <a:off x="6968300" y="178323"/>
+            <a:ext cx="1514075" cy="416398"/>
+          </a:xfrm>
+          <a:prstGeom prst="rect">
+            <a:avLst/>
+          </a:prstGeom>
+          <a:noFill/>
+          <a:ln>
+            <a:noFill/>
+          </a:ln>
+        </p:spPr>
+      </p:pic>
+      <p:pic>
+        <p:nvPicPr>
+          <p:cNvPr id="70" name="Google Shape;70;p14"/>
+          <p:cNvPicPr preferRelativeResize="0"/>
+          <p:nvPr/>
+        </p:nvPicPr>
+        <p:blipFill rotWithShape="1">
+          <a:blip r:embed="rId4">
+            <a:alphaModFix/>
+          </a:blip>
+          <a:srcRect b="0" l="0" r="0" t="0"/>
+          <a:stretch/>
+        </p:blipFill>
+        <p:spPr>
+          <a:xfrm>
+            <a:off x="7040626" y="691175"/>
+            <a:ext cx="927848" cy="460824"/>
+          </a:xfrm>
+          <a:prstGeom prst="rect">
+            <a:avLst/>
+          </a:prstGeom>
+          <a:noFill/>
+          <a:ln>
+            <a:noFill/>
+          </a:ln>
+        </p:spPr>
+      </p:pic>
     </p:spTree>
   </p:cSld>
   <p:clrMapOvr>
@@ -8995,7 +9265,7 @@
   <p:cSld>
     <p:spTree>
       <p:nvGrpSpPr>
-        <p:cNvPr id="70" name="Shape 70"/>
+        <p:cNvPr id="74" name="Shape 74"/>
         <p:cNvGrpSpPr/>
         <p:nvPr/>
       </p:nvGrpSpPr>
@@ -9009,7 +9279,7 @@
       </p:grpSpPr>
       <p:sp>
         <p:nvSpPr>
-          <p:cNvPr id="71" name="Google Shape;71;p15"/>
+          <p:cNvPr id="75" name="Google Shape;75;p15"/>
           <p:cNvSpPr txBox="1"/>
           <p:nvPr>
             <p:ph type="title"/>
@@ -9057,7 +9327,7 @@
       </p:sp>
       <p:sp>
         <p:nvSpPr>
-          <p:cNvPr id="72" name="Google Shape;72;p15"/>
+          <p:cNvPr id="76" name="Google Shape;76;p15"/>
           <p:cNvSpPr txBox="1"/>
           <p:nvPr>
             <p:ph idx="1" type="body"/>
@@ -9112,7 +9382,7 @@
       </p:sp>
       <p:pic>
         <p:nvPicPr>
-          <p:cNvPr id="73" name="Google Shape;73;p15"/>
+          <p:cNvPr id="77" name="Google Shape;77;p15"/>
           <p:cNvPicPr preferRelativeResize="0"/>
           <p:nvPr/>
         </p:nvPicPr>
@@ -9139,7 +9409,7 @@
       </p:pic>
       <p:pic>
         <p:nvPicPr>
-          <p:cNvPr id="74" name="Google Shape;74;p15"/>
+          <p:cNvPr id="78" name="Google Shape;78;p15"/>
           <p:cNvPicPr preferRelativeResize="0"/>
           <p:nvPr/>
         </p:nvPicPr>
@@ -9177,7 +9447,7 @@
   <p:cSld>
     <p:spTree>
       <p:nvGrpSpPr>
-        <p:cNvPr id="78" name="Shape 78"/>
+        <p:cNvPr id="82" name="Shape 82"/>
         <p:cNvGrpSpPr/>
         <p:nvPr/>
       </p:nvGrpSpPr>
@@ -9191,7 +9461,7 @@
       </p:grpSpPr>
       <p:sp>
         <p:nvSpPr>
-          <p:cNvPr id="79" name="Google Shape;79;p16"/>
+          <p:cNvPr id="83" name="Google Shape;83;p16"/>
           <p:cNvSpPr txBox="1"/>
           <p:nvPr>
             <p:ph type="title"/>
@@ -9239,7 +9509,7 @@
       </p:sp>
       <p:pic>
         <p:nvPicPr>
-          <p:cNvPr id="80" name="Google Shape;80;p16"/>
+          <p:cNvPr id="84" name="Google Shape;84;p16"/>
           <p:cNvPicPr preferRelativeResize="0"/>
           <p:nvPr/>
         </p:nvPicPr>
@@ -9278,7 +9548,7 @@
   <p:cSld>
     <p:spTree>
       <p:nvGrpSpPr>
-        <p:cNvPr id="84" name="Shape 84"/>
+        <p:cNvPr id="88" name="Shape 88"/>
         <p:cNvGrpSpPr/>
         <p:nvPr/>
       </p:nvGrpSpPr>
@@ -9292,7 +9562,7 @@
       </p:grpSpPr>
       <p:sp>
         <p:nvSpPr>
-          <p:cNvPr id="85" name="Google Shape;85;p17"/>
+          <p:cNvPr id="89" name="Google Shape;89;p17"/>
           <p:cNvSpPr txBox="1"/>
           <p:nvPr>
             <p:ph type="title"/>
@@ -9340,7 +9610,7 @@
       </p:sp>
       <p:pic>
         <p:nvPicPr>
-          <p:cNvPr id="86" name="Google Shape;86;p17"/>
+          <p:cNvPr id="90" name="Google Shape;90;p17"/>
           <p:cNvPicPr preferRelativeResize="0"/>
           <p:nvPr/>
         </p:nvPicPr>
@@ -9379,7 +9649,7 @@
   <p:cSld>
     <p:spTree>
       <p:nvGrpSpPr>
-        <p:cNvPr id="90" name="Shape 90"/>
+        <p:cNvPr id="94" name="Shape 94"/>
         <p:cNvGrpSpPr/>
         <p:nvPr/>
       </p:nvGrpSpPr>
@@ -9393,7 +9663,7 @@
       </p:grpSpPr>
       <p:sp>
         <p:nvSpPr>
-          <p:cNvPr id="91" name="Google Shape;91;p18"/>
+          <p:cNvPr id="95" name="Google Shape;95;p18"/>
           <p:cNvSpPr txBox="1"/>
           <p:nvPr>
             <p:ph type="title"/>
@@ -9441,7 +9711,7 @@
       </p:sp>
       <p:pic>
         <p:nvPicPr>
-          <p:cNvPr id="92" name="Google Shape;92;p18"/>
+          <p:cNvPr id="96" name="Google Shape;96;p18"/>
           <p:cNvPicPr preferRelativeResize="0"/>
           <p:nvPr/>
         </p:nvPicPr>
@@ -9480,7 +9750,7 @@
   <p:cSld>
     <p:spTree>
       <p:nvGrpSpPr>
-        <p:cNvPr id="96" name="Shape 96"/>
+        <p:cNvPr id="100" name="Shape 100"/>
         <p:cNvGrpSpPr/>
         <p:nvPr/>
       </p:nvGrpSpPr>
@@ -9494,7 +9764,7 @@
       </p:grpSpPr>
       <p:sp>
         <p:nvSpPr>
-          <p:cNvPr id="97" name="Google Shape;97;p19"/>
+          <p:cNvPr id="101" name="Google Shape;101;p19"/>
           <p:cNvSpPr txBox="1"/>
           <p:nvPr>
             <p:ph type="title"/>
@@ -9542,7 +9812,7 @@
       </p:sp>
       <p:pic>
         <p:nvPicPr>
-          <p:cNvPr id="98" name="Google Shape;98;p19"/>
+          <p:cNvPr id="102" name="Google Shape;102;p19"/>
           <p:cNvPicPr preferRelativeResize="0"/>
           <p:nvPr/>
         </p:nvPicPr>
@@ -9581,7 +9851,7 @@
   <p:cSld>
     <p:spTree>
       <p:nvGrpSpPr>
-        <p:cNvPr id="102" name="Shape 102"/>
+        <p:cNvPr id="106" name="Shape 106"/>
         <p:cNvGrpSpPr/>
         <p:nvPr/>
       </p:nvGrpSpPr>
@@ -9595,7 +9865,7 @@
       </p:grpSpPr>
       <p:sp>
         <p:nvSpPr>
-          <p:cNvPr id="103" name="Google Shape;103;p20"/>
+          <p:cNvPr id="107" name="Google Shape;107;p20"/>
           <p:cNvSpPr txBox="1"/>
           <p:nvPr>
             <p:ph type="title"/>
@@ -9643,7 +9913,7 @@
       </p:sp>
       <p:pic>
         <p:nvPicPr>
-          <p:cNvPr id="104" name="Google Shape;104;p20"/>
+          <p:cNvPr id="108" name="Google Shape;108;p20"/>
           <p:cNvPicPr preferRelativeResize="0"/>
           <p:nvPr/>
         </p:nvPicPr>
@@ -9682,7 +9952,7 @@
   <p:cSld>
     <p:spTree>
       <p:nvGrpSpPr>
-        <p:cNvPr id="108" name="Shape 108"/>
+        <p:cNvPr id="112" name="Shape 112"/>
         <p:cNvGrpSpPr/>
         <p:nvPr/>
       </p:nvGrpSpPr>
@@ -9696,7 +9966,7 @@
       </p:grpSpPr>
       <p:sp>
         <p:nvSpPr>
-          <p:cNvPr id="109" name="Google Shape;109;p21"/>
+          <p:cNvPr id="113" name="Google Shape;113;p21"/>
           <p:cNvSpPr txBox="1"/>
           <p:nvPr>
             <p:ph type="title"/>
@@ -9744,7 +10014,7 @@
       </p:sp>
       <p:pic>
         <p:nvPicPr>
-          <p:cNvPr id="110" name="Google Shape;110;p21"/>
+          <p:cNvPr id="114" name="Google Shape;114;p21"/>
           <p:cNvPicPr preferRelativeResize="0"/>
           <p:nvPr/>
         </p:nvPicPr>
